--- a/s01_stat/figures_orig.pptx
+++ b/s01_stat/figures_orig.pptx
@@ -289,7 +289,7 @@
           <a:p>
             <a:fld id="{9371D4F7-EF93-41F6-AC48-FFE5EB83AE66}" type="datetimeFigureOut">
               <a:rPr lang="ko-KR" altLang="en-US" smtClean="0"/>
-              <a:t>2019-03-04</a:t>
+              <a:t>2019-03-06</a:t>
             </a:fld>
             <a:endParaRPr lang="ko-KR" altLang="en-US"/>
           </a:p>
@@ -459,7 +459,7 @@
           <a:p>
             <a:fld id="{9371D4F7-EF93-41F6-AC48-FFE5EB83AE66}" type="datetimeFigureOut">
               <a:rPr lang="ko-KR" altLang="en-US" smtClean="0"/>
-              <a:t>2019-03-04</a:t>
+              <a:t>2019-03-06</a:t>
             </a:fld>
             <a:endParaRPr lang="ko-KR" altLang="en-US"/>
           </a:p>
@@ -639,7 +639,7 @@
           <a:p>
             <a:fld id="{9371D4F7-EF93-41F6-AC48-FFE5EB83AE66}" type="datetimeFigureOut">
               <a:rPr lang="ko-KR" altLang="en-US" smtClean="0"/>
-              <a:t>2019-03-04</a:t>
+              <a:t>2019-03-06</a:t>
             </a:fld>
             <a:endParaRPr lang="ko-KR" altLang="en-US"/>
           </a:p>
@@ -809,7 +809,7 @@
           <a:p>
             <a:fld id="{9371D4F7-EF93-41F6-AC48-FFE5EB83AE66}" type="datetimeFigureOut">
               <a:rPr lang="ko-KR" altLang="en-US" smtClean="0"/>
-              <a:t>2019-03-04</a:t>
+              <a:t>2019-03-06</a:t>
             </a:fld>
             <a:endParaRPr lang="ko-KR" altLang="en-US"/>
           </a:p>
@@ -1055,7 +1055,7 @@
           <a:p>
             <a:fld id="{9371D4F7-EF93-41F6-AC48-FFE5EB83AE66}" type="datetimeFigureOut">
               <a:rPr lang="ko-KR" altLang="en-US" smtClean="0"/>
-              <a:t>2019-03-04</a:t>
+              <a:t>2019-03-06</a:t>
             </a:fld>
             <a:endParaRPr lang="ko-KR" altLang="en-US"/>
           </a:p>
@@ -1343,7 +1343,7 @@
           <a:p>
             <a:fld id="{9371D4F7-EF93-41F6-AC48-FFE5EB83AE66}" type="datetimeFigureOut">
               <a:rPr lang="ko-KR" altLang="en-US" smtClean="0"/>
-              <a:t>2019-03-04</a:t>
+              <a:t>2019-03-06</a:t>
             </a:fld>
             <a:endParaRPr lang="ko-KR" altLang="en-US"/>
           </a:p>
@@ -1765,7 +1765,7 @@
           <a:p>
             <a:fld id="{9371D4F7-EF93-41F6-AC48-FFE5EB83AE66}" type="datetimeFigureOut">
               <a:rPr lang="ko-KR" altLang="en-US" smtClean="0"/>
-              <a:t>2019-03-04</a:t>
+              <a:t>2019-03-06</a:t>
             </a:fld>
             <a:endParaRPr lang="ko-KR" altLang="en-US"/>
           </a:p>
@@ -1883,7 +1883,7 @@
           <a:p>
             <a:fld id="{9371D4F7-EF93-41F6-AC48-FFE5EB83AE66}" type="datetimeFigureOut">
               <a:rPr lang="ko-KR" altLang="en-US" smtClean="0"/>
-              <a:t>2019-03-04</a:t>
+              <a:t>2019-03-06</a:t>
             </a:fld>
             <a:endParaRPr lang="ko-KR" altLang="en-US"/>
           </a:p>
@@ -1978,7 +1978,7 @@
           <a:p>
             <a:fld id="{9371D4F7-EF93-41F6-AC48-FFE5EB83AE66}" type="datetimeFigureOut">
               <a:rPr lang="ko-KR" altLang="en-US" smtClean="0"/>
-              <a:t>2019-03-04</a:t>
+              <a:t>2019-03-06</a:t>
             </a:fld>
             <a:endParaRPr lang="ko-KR" altLang="en-US"/>
           </a:p>
@@ -2255,7 +2255,7 @@
           <a:p>
             <a:fld id="{9371D4F7-EF93-41F6-AC48-FFE5EB83AE66}" type="datetimeFigureOut">
               <a:rPr lang="ko-KR" altLang="en-US" smtClean="0"/>
-              <a:t>2019-03-04</a:t>
+              <a:t>2019-03-06</a:t>
             </a:fld>
             <a:endParaRPr lang="ko-KR" altLang="en-US"/>
           </a:p>
@@ -2508,7 +2508,7 @@
           <a:p>
             <a:fld id="{9371D4F7-EF93-41F6-AC48-FFE5EB83AE66}" type="datetimeFigureOut">
               <a:rPr lang="ko-KR" altLang="en-US" smtClean="0"/>
-              <a:t>2019-03-04</a:t>
+              <a:t>2019-03-06</a:t>
             </a:fld>
             <a:endParaRPr lang="ko-KR" altLang="en-US"/>
           </a:p>
@@ -2721,7 +2721,7 @@
           <a:p>
             <a:fld id="{9371D4F7-EF93-41F6-AC48-FFE5EB83AE66}" type="datetimeFigureOut">
               <a:rPr lang="ko-KR" altLang="en-US" smtClean="0"/>
-              <a:t>2019-03-04</a:t>
+              <a:t>2019-03-06</a:t>
             </a:fld>
             <a:endParaRPr lang="ko-KR" altLang="en-US"/>
           </a:p>
@@ -3731,7 +3731,7 @@
             <a:avLst/>
           </a:prstGeom>
           <a:solidFill>
-            <a:schemeClr val="accent2"/>
+            <a:schemeClr val="accent1"/>
           </a:solidFill>
         </p:spPr>
         <p:style>
@@ -3778,7 +3778,7 @@
             <a:avLst/>
           </a:prstGeom>
           <a:solidFill>
-            <a:schemeClr val="accent2"/>
+            <a:schemeClr val="accent1"/>
           </a:solidFill>
         </p:spPr>
         <p:style>
@@ -3824,6 +3824,9 @@
           <a:prstGeom prst="rect">
             <a:avLst/>
           </a:prstGeom>
+          <a:solidFill>
+            <a:schemeClr val="accent1"/>
+          </a:solidFill>
         </p:spPr>
         <p:style>
           <a:lnRef idx="2">
@@ -3961,7 +3964,7 @@
             <a:avLst/>
           </a:prstGeom>
           <a:solidFill>
-            <a:schemeClr val="accent2"/>
+            <a:schemeClr val="accent1"/>
           </a:solidFill>
         </p:spPr>
         <p:style>

--- a/s01_stat/figures_orig.pptx
+++ b/s01_stat/figures_orig.pptx
@@ -7,6 +7,7 @@
   <p:sldIdLst>
     <p:sldId id="256" r:id="rId2"/>
     <p:sldId id="257" r:id="rId3"/>
+    <p:sldId id="258" r:id="rId4"/>
   </p:sldIdLst>
   <p:sldSz cx="9144000" cy="6858000" type="screen4x3"/>
   <p:notesSz cx="6858000" cy="9144000"/>
@@ -289,7 +290,7 @@
           <a:p>
             <a:fld id="{9371D4F7-EF93-41F6-AC48-FFE5EB83AE66}" type="datetimeFigureOut">
               <a:rPr lang="ko-KR" altLang="en-US" smtClean="0"/>
-              <a:t>2019-03-06</a:t>
+              <a:t>2019-03-12</a:t>
             </a:fld>
             <a:endParaRPr lang="ko-KR" altLang="en-US"/>
           </a:p>
@@ -459,7 +460,7 @@
           <a:p>
             <a:fld id="{9371D4F7-EF93-41F6-AC48-FFE5EB83AE66}" type="datetimeFigureOut">
               <a:rPr lang="ko-KR" altLang="en-US" smtClean="0"/>
-              <a:t>2019-03-06</a:t>
+              <a:t>2019-03-12</a:t>
             </a:fld>
             <a:endParaRPr lang="ko-KR" altLang="en-US"/>
           </a:p>
@@ -639,7 +640,7 @@
           <a:p>
             <a:fld id="{9371D4F7-EF93-41F6-AC48-FFE5EB83AE66}" type="datetimeFigureOut">
               <a:rPr lang="ko-KR" altLang="en-US" smtClean="0"/>
-              <a:t>2019-03-06</a:t>
+              <a:t>2019-03-12</a:t>
             </a:fld>
             <a:endParaRPr lang="ko-KR" altLang="en-US"/>
           </a:p>
@@ -809,7 +810,7 @@
           <a:p>
             <a:fld id="{9371D4F7-EF93-41F6-AC48-FFE5EB83AE66}" type="datetimeFigureOut">
               <a:rPr lang="ko-KR" altLang="en-US" smtClean="0"/>
-              <a:t>2019-03-06</a:t>
+              <a:t>2019-03-12</a:t>
             </a:fld>
             <a:endParaRPr lang="ko-KR" altLang="en-US"/>
           </a:p>
@@ -1055,7 +1056,7 @@
           <a:p>
             <a:fld id="{9371D4F7-EF93-41F6-AC48-FFE5EB83AE66}" type="datetimeFigureOut">
               <a:rPr lang="ko-KR" altLang="en-US" smtClean="0"/>
-              <a:t>2019-03-06</a:t>
+              <a:t>2019-03-12</a:t>
             </a:fld>
             <a:endParaRPr lang="ko-KR" altLang="en-US"/>
           </a:p>
@@ -1343,7 +1344,7 @@
           <a:p>
             <a:fld id="{9371D4F7-EF93-41F6-AC48-FFE5EB83AE66}" type="datetimeFigureOut">
               <a:rPr lang="ko-KR" altLang="en-US" smtClean="0"/>
-              <a:t>2019-03-06</a:t>
+              <a:t>2019-03-12</a:t>
             </a:fld>
             <a:endParaRPr lang="ko-KR" altLang="en-US"/>
           </a:p>
@@ -1765,7 +1766,7 @@
           <a:p>
             <a:fld id="{9371D4F7-EF93-41F6-AC48-FFE5EB83AE66}" type="datetimeFigureOut">
               <a:rPr lang="ko-KR" altLang="en-US" smtClean="0"/>
-              <a:t>2019-03-06</a:t>
+              <a:t>2019-03-12</a:t>
             </a:fld>
             <a:endParaRPr lang="ko-KR" altLang="en-US"/>
           </a:p>
@@ -1883,7 +1884,7 @@
           <a:p>
             <a:fld id="{9371D4F7-EF93-41F6-AC48-FFE5EB83AE66}" type="datetimeFigureOut">
               <a:rPr lang="ko-KR" altLang="en-US" smtClean="0"/>
-              <a:t>2019-03-06</a:t>
+              <a:t>2019-03-12</a:t>
             </a:fld>
             <a:endParaRPr lang="ko-KR" altLang="en-US"/>
           </a:p>
@@ -1978,7 +1979,7 @@
           <a:p>
             <a:fld id="{9371D4F7-EF93-41F6-AC48-FFE5EB83AE66}" type="datetimeFigureOut">
               <a:rPr lang="ko-KR" altLang="en-US" smtClean="0"/>
-              <a:t>2019-03-06</a:t>
+              <a:t>2019-03-12</a:t>
             </a:fld>
             <a:endParaRPr lang="ko-KR" altLang="en-US"/>
           </a:p>
@@ -2255,7 +2256,7 @@
           <a:p>
             <a:fld id="{9371D4F7-EF93-41F6-AC48-FFE5EB83AE66}" type="datetimeFigureOut">
               <a:rPr lang="ko-KR" altLang="en-US" smtClean="0"/>
-              <a:t>2019-03-06</a:t>
+              <a:t>2019-03-12</a:t>
             </a:fld>
             <a:endParaRPr lang="ko-KR" altLang="en-US"/>
           </a:p>
@@ -2508,7 +2509,7 @@
           <a:p>
             <a:fld id="{9371D4F7-EF93-41F6-AC48-FFE5EB83AE66}" type="datetimeFigureOut">
               <a:rPr lang="ko-KR" altLang="en-US" smtClean="0"/>
-              <a:t>2019-03-06</a:t>
+              <a:t>2019-03-12</a:t>
             </a:fld>
             <a:endParaRPr lang="ko-KR" altLang="en-US"/>
           </a:p>
@@ -2721,7 +2722,7 @@
           <a:p>
             <a:fld id="{9371D4F7-EF93-41F6-AC48-FFE5EB83AE66}" type="datetimeFigureOut">
               <a:rPr lang="ko-KR" altLang="en-US" smtClean="0"/>
-              <a:t>2019-03-06</a:t>
+              <a:t>2019-03-12</a:t>
             </a:fld>
             <a:endParaRPr lang="ko-KR" altLang="en-US"/>
           </a:p>
@@ -4044,6 +4045,868 @@
     <p:extLst>
       <p:ext uri="{BB962C8B-B14F-4D97-AF65-F5344CB8AC3E}">
         <p14:creationId xmlns:p14="http://schemas.microsoft.com/office/powerpoint/2010/main" val="2553681120"/>
+      </p:ext>
+    </p:extLst>
+  </p:cSld>
+  <p:clrMapOvr>
+    <a:masterClrMapping/>
+  </p:clrMapOvr>
+</p:sld>
+</file>
+
+<file path=ppt/slides/slide3.xml><?xml version="1.0" encoding="utf-8"?>
+<p:sld xmlns:a="http://schemas.openxmlformats.org/drawingml/2006/main" xmlns:r="http://schemas.openxmlformats.org/officeDocument/2006/relationships" xmlns:p="http://schemas.openxmlformats.org/presentationml/2006/main">
+  <p:cSld>
+    <p:spTree>
+      <p:nvGrpSpPr>
+        <p:cNvPr id="1" name=""/>
+        <p:cNvGrpSpPr/>
+        <p:nvPr/>
+      </p:nvGrpSpPr>
+      <p:grpSpPr>
+        <a:xfrm>
+          <a:off x="0" y="0"/>
+          <a:ext cx="0" cy="0"/>
+          <a:chOff x="0" y="0"/>
+          <a:chExt cx="0" cy="0"/>
+        </a:xfrm>
+      </p:grpSpPr>
+      <p:sp>
+        <p:nvSpPr>
+          <p:cNvPr id="36" name="타원 35"/>
+          <p:cNvSpPr/>
+          <p:nvPr/>
+        </p:nvSpPr>
+        <p:spPr>
+          <a:xfrm>
+            <a:off x="4593145" y="1772816"/>
+            <a:ext cx="576063" cy="3456384"/>
+          </a:xfrm>
+          <a:prstGeom prst="ellipse">
+            <a:avLst/>
+          </a:prstGeom>
+          <a:solidFill>
+            <a:schemeClr val="accent4"/>
+          </a:solidFill>
+          <a:ln>
+            <a:noFill/>
+          </a:ln>
+        </p:spPr>
+        <p:style>
+          <a:lnRef idx="2">
+            <a:schemeClr val="accent1">
+              <a:shade val="50000"/>
+            </a:schemeClr>
+          </a:lnRef>
+          <a:fillRef idx="1">
+            <a:schemeClr val="accent1"/>
+          </a:fillRef>
+          <a:effectRef idx="0">
+            <a:schemeClr val="accent1"/>
+          </a:effectRef>
+          <a:fontRef idx="minor">
+            <a:schemeClr val="lt1"/>
+          </a:fontRef>
+        </p:style>
+        <p:txBody>
+          <a:bodyPr rtlCol="0" anchor="ctr"/>
+          <a:lstStyle/>
+          <a:p>
+            <a:pPr algn="ctr"/>
+            <a:endParaRPr lang="ko-KR" altLang="en-US"/>
+          </a:p>
+        </p:txBody>
+      </p:sp>
+      <p:sp>
+        <p:nvSpPr>
+          <p:cNvPr id="34" name="타원 33"/>
+          <p:cNvSpPr/>
+          <p:nvPr/>
+        </p:nvSpPr>
+        <p:spPr>
+          <a:xfrm>
+            <a:off x="2936961" y="2852936"/>
+            <a:ext cx="576063" cy="1224136"/>
+          </a:xfrm>
+          <a:prstGeom prst="ellipse">
+            <a:avLst/>
+          </a:prstGeom>
+          <a:solidFill>
+            <a:schemeClr val="accent6"/>
+          </a:solidFill>
+          <a:ln>
+            <a:noFill/>
+          </a:ln>
+        </p:spPr>
+        <p:style>
+          <a:lnRef idx="2">
+            <a:schemeClr val="accent1">
+              <a:shade val="50000"/>
+            </a:schemeClr>
+          </a:lnRef>
+          <a:fillRef idx="1">
+            <a:schemeClr val="accent1"/>
+          </a:fillRef>
+          <a:effectRef idx="0">
+            <a:schemeClr val="accent1"/>
+          </a:effectRef>
+          <a:fontRef idx="minor">
+            <a:schemeClr val="lt1"/>
+          </a:fontRef>
+        </p:style>
+        <p:txBody>
+          <a:bodyPr rtlCol="0" anchor="ctr"/>
+          <a:lstStyle/>
+          <a:p>
+            <a:pPr algn="ctr"/>
+            <a:endParaRPr lang="ko-KR" altLang="en-US"/>
+          </a:p>
+        </p:txBody>
+      </p:sp>
+      <p:sp>
+        <p:nvSpPr>
+          <p:cNvPr id="33" name="타원 32"/>
+          <p:cNvSpPr/>
+          <p:nvPr/>
+        </p:nvSpPr>
+        <p:spPr>
+          <a:xfrm>
+            <a:off x="1712825" y="1340768"/>
+            <a:ext cx="576063" cy="1656184"/>
+          </a:xfrm>
+          <a:prstGeom prst="ellipse">
+            <a:avLst/>
+          </a:prstGeom>
+          <a:solidFill>
+            <a:schemeClr val="accent5"/>
+          </a:solidFill>
+          <a:ln>
+            <a:noFill/>
+          </a:ln>
+        </p:spPr>
+        <p:style>
+          <a:lnRef idx="2">
+            <a:schemeClr val="accent1">
+              <a:shade val="50000"/>
+            </a:schemeClr>
+          </a:lnRef>
+          <a:fillRef idx="1">
+            <a:schemeClr val="accent1"/>
+          </a:fillRef>
+          <a:effectRef idx="0">
+            <a:schemeClr val="accent1"/>
+          </a:effectRef>
+          <a:fontRef idx="minor">
+            <a:schemeClr val="lt1"/>
+          </a:fontRef>
+        </p:style>
+        <p:txBody>
+          <a:bodyPr rtlCol="0" anchor="ctr"/>
+          <a:lstStyle/>
+          <a:p>
+            <a:pPr algn="ctr"/>
+            <a:endParaRPr lang="ko-KR" altLang="en-US"/>
+          </a:p>
+        </p:txBody>
+      </p:sp>
+      <p:sp>
+        <p:nvSpPr>
+          <p:cNvPr id="2" name="직사각형 1"/>
+          <p:cNvSpPr/>
+          <p:nvPr/>
+        </p:nvSpPr>
+        <p:spPr>
+          <a:xfrm>
+            <a:off x="1043608" y="908720"/>
+            <a:ext cx="5832647" cy="4608512"/>
+          </a:xfrm>
+          <a:prstGeom prst="rect">
+            <a:avLst/>
+          </a:prstGeom>
+          <a:noFill/>
+        </p:spPr>
+        <p:style>
+          <a:lnRef idx="2">
+            <a:schemeClr val="accent1">
+              <a:shade val="50000"/>
+            </a:schemeClr>
+          </a:lnRef>
+          <a:fillRef idx="1">
+            <a:schemeClr val="accent1"/>
+          </a:fillRef>
+          <a:effectRef idx="0">
+            <a:schemeClr val="accent1"/>
+          </a:effectRef>
+          <a:fontRef idx="minor">
+            <a:schemeClr val="lt1"/>
+          </a:fontRef>
+        </p:style>
+        <p:txBody>
+          <a:bodyPr rtlCol="0" anchor="ctr"/>
+          <a:lstStyle/>
+          <a:p>
+            <a:pPr algn="ctr"/>
+            <a:endParaRPr lang="ko-KR" altLang="en-US"/>
+          </a:p>
+        </p:txBody>
+      </p:sp>
+      <p:sp>
+        <p:nvSpPr>
+          <p:cNvPr id="3" name="TextBox 2"/>
+          <p:cNvSpPr txBox="1"/>
+          <p:nvPr/>
+        </p:nvSpPr>
+        <p:spPr>
+          <a:xfrm>
+            <a:off x="3203848" y="5651956"/>
+            <a:ext cx="1234633" cy="369332"/>
+          </a:xfrm>
+          <a:prstGeom prst="rect">
+            <a:avLst/>
+          </a:prstGeom>
+          <a:noFill/>
+        </p:spPr>
+        <p:txBody>
+          <a:bodyPr wrap="none" rtlCol="0">
+            <a:spAutoFit/>
+          </a:bodyPr>
+          <a:lstStyle/>
+          <a:p>
+            <a:r>
+              <a:rPr lang="en-US" altLang="ko-KR" b="1" dirty="0" smtClean="0"/>
+              <a:t>Flexibility</a:t>
+            </a:r>
+            <a:endParaRPr lang="ko-KR" altLang="en-US" b="1" dirty="0"/>
+          </a:p>
+        </p:txBody>
+      </p:sp>
+      <p:sp>
+        <p:nvSpPr>
+          <p:cNvPr id="4" name="TextBox 3"/>
+          <p:cNvSpPr txBox="1"/>
+          <p:nvPr/>
+        </p:nvSpPr>
+        <p:spPr>
+          <a:xfrm rot="16200000">
+            <a:off x="-478643" y="3212976"/>
+            <a:ext cx="2405723" cy="369332"/>
+          </a:xfrm>
+          <a:prstGeom prst="rect">
+            <a:avLst/>
+          </a:prstGeom>
+          <a:noFill/>
+        </p:spPr>
+        <p:txBody>
+          <a:bodyPr wrap="none" rtlCol="0">
+            <a:spAutoFit/>
+          </a:bodyPr>
+          <a:lstStyle/>
+          <a:p>
+            <a:r>
+              <a:rPr lang="en-US" altLang="ko-KR" b="1" dirty="0"/>
+              <a:t>Mean Squared </a:t>
+            </a:r>
+            <a:r>
+              <a:rPr lang="en-US" altLang="ko-KR" b="1" dirty="0" smtClean="0"/>
+              <a:t>Error</a:t>
+            </a:r>
+            <a:endParaRPr lang="ko-KR" altLang="en-US" b="1" dirty="0"/>
+          </a:p>
+        </p:txBody>
+      </p:sp>
+      <p:sp>
+        <p:nvSpPr>
+          <p:cNvPr id="10" name="직사각형 9"/>
+          <p:cNvSpPr/>
+          <p:nvPr/>
+        </p:nvSpPr>
+        <p:spPr>
+          <a:xfrm>
+            <a:off x="1928849" y="1700808"/>
+            <a:ext cx="144016" cy="144016"/>
+          </a:xfrm>
+          <a:prstGeom prst="rect">
+            <a:avLst/>
+          </a:prstGeom>
+        </p:spPr>
+        <p:style>
+          <a:lnRef idx="2">
+            <a:schemeClr val="accent1">
+              <a:shade val="50000"/>
+            </a:schemeClr>
+          </a:lnRef>
+          <a:fillRef idx="1">
+            <a:schemeClr val="accent1"/>
+          </a:fillRef>
+          <a:effectRef idx="0">
+            <a:schemeClr val="accent1"/>
+          </a:effectRef>
+          <a:fontRef idx="minor">
+            <a:schemeClr val="lt1"/>
+          </a:fontRef>
+        </p:style>
+        <p:txBody>
+          <a:bodyPr rtlCol="0" anchor="ctr"/>
+          <a:lstStyle/>
+          <a:p>
+            <a:pPr algn="ctr"/>
+            <a:endParaRPr lang="ko-KR" altLang="en-US"/>
+          </a:p>
+        </p:txBody>
+      </p:sp>
+      <p:sp>
+        <p:nvSpPr>
+          <p:cNvPr id="11" name="직사각형 10"/>
+          <p:cNvSpPr/>
+          <p:nvPr/>
+        </p:nvSpPr>
+        <p:spPr>
+          <a:xfrm>
+            <a:off x="3152985" y="3212976"/>
+            <a:ext cx="144016" cy="144016"/>
+          </a:xfrm>
+          <a:prstGeom prst="rect">
+            <a:avLst/>
+          </a:prstGeom>
+        </p:spPr>
+        <p:style>
+          <a:lnRef idx="2">
+            <a:schemeClr val="accent1">
+              <a:shade val="50000"/>
+            </a:schemeClr>
+          </a:lnRef>
+          <a:fillRef idx="1">
+            <a:schemeClr val="accent1"/>
+          </a:fillRef>
+          <a:effectRef idx="0">
+            <a:schemeClr val="accent1"/>
+          </a:effectRef>
+          <a:fontRef idx="minor">
+            <a:schemeClr val="lt1"/>
+          </a:fontRef>
+        </p:style>
+        <p:txBody>
+          <a:bodyPr rtlCol="0" anchor="ctr"/>
+          <a:lstStyle/>
+          <a:p>
+            <a:pPr algn="ctr"/>
+            <a:endParaRPr lang="ko-KR" altLang="en-US"/>
+          </a:p>
+        </p:txBody>
+      </p:sp>
+      <p:sp>
+        <p:nvSpPr>
+          <p:cNvPr id="12" name="직사각형 11"/>
+          <p:cNvSpPr/>
+          <p:nvPr/>
+        </p:nvSpPr>
+        <p:spPr>
+          <a:xfrm>
+            <a:off x="4809169" y="2204864"/>
+            <a:ext cx="144016" cy="144016"/>
+          </a:xfrm>
+          <a:prstGeom prst="rect">
+            <a:avLst/>
+          </a:prstGeom>
+        </p:spPr>
+        <p:style>
+          <a:lnRef idx="2">
+            <a:schemeClr val="accent1">
+              <a:shade val="50000"/>
+            </a:schemeClr>
+          </a:lnRef>
+          <a:fillRef idx="1">
+            <a:schemeClr val="accent1"/>
+          </a:fillRef>
+          <a:effectRef idx="0">
+            <a:schemeClr val="accent1"/>
+          </a:effectRef>
+          <a:fontRef idx="minor">
+            <a:schemeClr val="lt1"/>
+          </a:fontRef>
+        </p:style>
+        <p:txBody>
+          <a:bodyPr rtlCol="0" anchor="ctr"/>
+          <a:lstStyle/>
+          <a:p>
+            <a:pPr algn="ctr"/>
+            <a:endParaRPr lang="ko-KR" altLang="en-US"/>
+          </a:p>
+        </p:txBody>
+      </p:sp>
+      <p:sp>
+        <p:nvSpPr>
+          <p:cNvPr id="13" name="직사각형 12"/>
+          <p:cNvSpPr/>
+          <p:nvPr/>
+        </p:nvSpPr>
+        <p:spPr>
+          <a:xfrm>
+            <a:off x="1928849" y="2420888"/>
+            <a:ext cx="144016" cy="144016"/>
+          </a:xfrm>
+          <a:prstGeom prst="rect">
+            <a:avLst/>
+          </a:prstGeom>
+          <a:solidFill>
+            <a:schemeClr val="accent3"/>
+          </a:solidFill>
+          <a:ln>
+            <a:solidFill>
+              <a:schemeClr val="accent3"/>
+            </a:solidFill>
+          </a:ln>
+        </p:spPr>
+        <p:style>
+          <a:lnRef idx="2">
+            <a:schemeClr val="accent1">
+              <a:shade val="50000"/>
+            </a:schemeClr>
+          </a:lnRef>
+          <a:fillRef idx="1">
+            <a:schemeClr val="accent1"/>
+          </a:fillRef>
+          <a:effectRef idx="0">
+            <a:schemeClr val="accent1"/>
+          </a:effectRef>
+          <a:fontRef idx="minor">
+            <a:schemeClr val="lt1"/>
+          </a:fontRef>
+        </p:style>
+        <p:txBody>
+          <a:bodyPr rtlCol="0" anchor="ctr"/>
+          <a:lstStyle/>
+          <a:p>
+            <a:pPr algn="ctr"/>
+            <a:endParaRPr lang="ko-KR" altLang="en-US"/>
+          </a:p>
+        </p:txBody>
+      </p:sp>
+      <p:sp>
+        <p:nvSpPr>
+          <p:cNvPr id="14" name="직사각형 13"/>
+          <p:cNvSpPr/>
+          <p:nvPr/>
+        </p:nvSpPr>
+        <p:spPr>
+          <a:xfrm>
+            <a:off x="3152985" y="3645024"/>
+            <a:ext cx="144016" cy="144016"/>
+          </a:xfrm>
+          <a:prstGeom prst="rect">
+            <a:avLst/>
+          </a:prstGeom>
+          <a:solidFill>
+            <a:schemeClr val="accent3"/>
+          </a:solidFill>
+          <a:ln>
+            <a:solidFill>
+              <a:schemeClr val="accent3"/>
+            </a:solidFill>
+          </a:ln>
+        </p:spPr>
+        <p:style>
+          <a:lnRef idx="2">
+            <a:schemeClr val="accent1">
+              <a:shade val="50000"/>
+            </a:schemeClr>
+          </a:lnRef>
+          <a:fillRef idx="1">
+            <a:schemeClr val="accent1"/>
+          </a:fillRef>
+          <a:effectRef idx="0">
+            <a:schemeClr val="accent1"/>
+          </a:effectRef>
+          <a:fontRef idx="minor">
+            <a:schemeClr val="lt1"/>
+          </a:fontRef>
+        </p:style>
+        <p:txBody>
+          <a:bodyPr rtlCol="0" anchor="ctr"/>
+          <a:lstStyle/>
+          <a:p>
+            <a:pPr algn="ctr"/>
+            <a:endParaRPr lang="ko-KR" altLang="en-US"/>
+          </a:p>
+        </p:txBody>
+      </p:sp>
+      <p:sp>
+        <p:nvSpPr>
+          <p:cNvPr id="15" name="직사각형 14"/>
+          <p:cNvSpPr/>
+          <p:nvPr/>
+        </p:nvSpPr>
+        <p:spPr>
+          <a:xfrm>
+            <a:off x="4809169" y="4653136"/>
+            <a:ext cx="144016" cy="144016"/>
+          </a:xfrm>
+          <a:prstGeom prst="rect">
+            <a:avLst/>
+          </a:prstGeom>
+          <a:solidFill>
+            <a:schemeClr val="accent3"/>
+          </a:solidFill>
+          <a:ln>
+            <a:solidFill>
+              <a:schemeClr val="accent3"/>
+            </a:solidFill>
+          </a:ln>
+        </p:spPr>
+        <p:style>
+          <a:lnRef idx="2">
+            <a:schemeClr val="accent1">
+              <a:shade val="50000"/>
+            </a:schemeClr>
+          </a:lnRef>
+          <a:fillRef idx="1">
+            <a:schemeClr val="accent1"/>
+          </a:fillRef>
+          <a:effectRef idx="0">
+            <a:schemeClr val="accent1"/>
+          </a:effectRef>
+          <a:fontRef idx="minor">
+            <a:schemeClr val="lt1"/>
+          </a:fontRef>
+        </p:style>
+        <p:txBody>
+          <a:bodyPr rtlCol="0" anchor="ctr"/>
+          <a:lstStyle/>
+          <a:p>
+            <a:pPr algn="ctr"/>
+            <a:endParaRPr lang="ko-KR" altLang="en-US"/>
+          </a:p>
+        </p:txBody>
+      </p:sp>
+      <p:cxnSp>
+        <p:nvCxnSpPr>
+          <p:cNvPr id="17" name="구부러진 연결선 16"/>
+          <p:cNvCxnSpPr>
+            <a:stCxn id="10" idx="2"/>
+            <a:endCxn id="11" idx="1"/>
+          </p:cNvCxnSpPr>
+          <p:nvPr/>
+        </p:nvCxnSpPr>
+        <p:spPr>
+          <a:xfrm rot="16200000" flipH="1">
+            <a:off x="1856841" y="1988840"/>
+            <a:ext cx="1440160" cy="1152128"/>
+          </a:xfrm>
+          <a:prstGeom prst="curvedConnector2">
+            <a:avLst/>
+          </a:prstGeom>
+        </p:spPr>
+        <p:style>
+          <a:lnRef idx="1">
+            <a:schemeClr val="accent1"/>
+          </a:lnRef>
+          <a:fillRef idx="0">
+            <a:schemeClr val="accent1"/>
+          </a:fillRef>
+          <a:effectRef idx="0">
+            <a:schemeClr val="accent1"/>
+          </a:effectRef>
+          <a:fontRef idx="minor">
+            <a:schemeClr val="tx1"/>
+          </a:fontRef>
+        </p:style>
+      </p:cxnSp>
+      <p:cxnSp>
+        <p:nvCxnSpPr>
+          <p:cNvPr id="19" name="구부러진 연결선 18"/>
+          <p:cNvCxnSpPr>
+            <a:stCxn id="12" idx="2"/>
+            <a:endCxn id="11" idx="3"/>
+          </p:cNvCxnSpPr>
+          <p:nvPr/>
+        </p:nvCxnSpPr>
+        <p:spPr>
+          <a:xfrm rot="5400000">
+            <a:off x="3621037" y="2024844"/>
+            <a:ext cx="936104" cy="1584176"/>
+          </a:xfrm>
+          <a:prstGeom prst="curvedConnector2">
+            <a:avLst/>
+          </a:prstGeom>
+        </p:spPr>
+        <p:style>
+          <a:lnRef idx="1">
+            <a:schemeClr val="accent1"/>
+          </a:lnRef>
+          <a:fillRef idx="0">
+            <a:schemeClr val="accent1"/>
+          </a:fillRef>
+          <a:effectRef idx="0">
+            <a:schemeClr val="accent1"/>
+          </a:effectRef>
+          <a:fontRef idx="minor">
+            <a:schemeClr val="tx1"/>
+          </a:fontRef>
+        </p:style>
+      </p:cxnSp>
+      <p:cxnSp>
+        <p:nvCxnSpPr>
+          <p:cNvPr id="24" name="구부러진 연결선 23"/>
+          <p:cNvCxnSpPr>
+            <a:stCxn id="13" idx="2"/>
+            <a:endCxn id="14" idx="1"/>
+          </p:cNvCxnSpPr>
+          <p:nvPr/>
+        </p:nvCxnSpPr>
+        <p:spPr>
+          <a:xfrm rot="16200000" flipH="1">
+            <a:off x="2000857" y="2564904"/>
+            <a:ext cx="1152128" cy="1152128"/>
+          </a:xfrm>
+          <a:prstGeom prst="curvedConnector2">
+            <a:avLst/>
+          </a:prstGeom>
+          <a:ln>
+            <a:solidFill>
+              <a:schemeClr val="accent3"/>
+            </a:solidFill>
+          </a:ln>
+        </p:spPr>
+        <p:style>
+          <a:lnRef idx="1">
+            <a:schemeClr val="accent1"/>
+          </a:lnRef>
+          <a:fillRef idx="0">
+            <a:schemeClr val="accent1"/>
+          </a:fillRef>
+          <a:effectRef idx="0">
+            <a:schemeClr val="accent1"/>
+          </a:effectRef>
+          <a:fontRef idx="minor">
+            <a:schemeClr val="tx1"/>
+          </a:fontRef>
+        </p:style>
+      </p:cxnSp>
+      <p:cxnSp>
+        <p:nvCxnSpPr>
+          <p:cNvPr id="27" name="구부러진 연결선 26"/>
+          <p:cNvCxnSpPr>
+            <a:stCxn id="14" idx="3"/>
+            <a:endCxn id="15" idx="0"/>
+          </p:cNvCxnSpPr>
+          <p:nvPr/>
+        </p:nvCxnSpPr>
+        <p:spPr>
+          <a:xfrm>
+            <a:off x="3297001" y="3717032"/>
+            <a:ext cx="1584176" cy="936104"/>
+          </a:xfrm>
+          <a:prstGeom prst="curvedConnector2">
+            <a:avLst/>
+          </a:prstGeom>
+          <a:ln>
+            <a:solidFill>
+              <a:schemeClr val="accent3"/>
+            </a:solidFill>
+          </a:ln>
+        </p:spPr>
+        <p:style>
+          <a:lnRef idx="1">
+            <a:schemeClr val="accent1"/>
+          </a:lnRef>
+          <a:fillRef idx="0">
+            <a:schemeClr val="accent1"/>
+          </a:fillRef>
+          <a:effectRef idx="0">
+            <a:schemeClr val="accent1"/>
+          </a:effectRef>
+          <a:fontRef idx="minor">
+            <a:schemeClr val="tx1"/>
+          </a:fontRef>
+        </p:style>
+      </p:cxnSp>
+      <p:cxnSp>
+        <p:nvCxnSpPr>
+          <p:cNvPr id="31" name="직선 연결선 30"/>
+          <p:cNvCxnSpPr/>
+          <p:nvPr/>
+        </p:nvCxnSpPr>
+        <p:spPr>
+          <a:xfrm>
+            <a:off x="1712825" y="3501008"/>
+            <a:ext cx="3816424" cy="0"/>
+          </a:xfrm>
+          <a:prstGeom prst="line">
+            <a:avLst/>
+          </a:prstGeom>
+          <a:ln>
+            <a:solidFill>
+              <a:schemeClr val="tx1"/>
+            </a:solidFill>
+            <a:prstDash val="dash"/>
+          </a:ln>
+        </p:spPr>
+        <p:style>
+          <a:lnRef idx="1">
+            <a:schemeClr val="accent1"/>
+          </a:lnRef>
+          <a:fillRef idx="0">
+            <a:schemeClr val="accent1"/>
+          </a:fillRef>
+          <a:effectRef idx="0">
+            <a:schemeClr val="accent1"/>
+          </a:effectRef>
+          <a:fontRef idx="minor">
+            <a:schemeClr val="tx1"/>
+          </a:fontRef>
+        </p:style>
+      </p:cxnSp>
+      <p:sp>
+        <p:nvSpPr>
+          <p:cNvPr id="32" name="TextBox 31"/>
+          <p:cNvSpPr txBox="1"/>
+          <p:nvPr/>
+        </p:nvSpPr>
+        <p:spPr>
+          <a:xfrm>
+            <a:off x="4932040" y="4571836"/>
+            <a:ext cx="1667892" cy="369332"/>
+          </a:xfrm>
+          <a:prstGeom prst="rect">
+            <a:avLst/>
+          </a:prstGeom>
+          <a:noFill/>
+        </p:spPr>
+        <p:txBody>
+          <a:bodyPr wrap="none" rtlCol="0">
+            <a:spAutoFit/>
+          </a:bodyPr>
+          <a:lstStyle/>
+          <a:p>
+            <a:r>
+              <a:rPr lang="en-US" altLang="ko-KR" b="1" dirty="0" smtClean="0">
+                <a:solidFill>
+                  <a:schemeClr val="accent3"/>
+                </a:solidFill>
+              </a:rPr>
+              <a:t>training error</a:t>
+            </a:r>
+            <a:endParaRPr lang="ko-KR" altLang="en-US" b="1" dirty="0">
+              <a:solidFill>
+                <a:schemeClr val="accent3"/>
+              </a:solidFill>
+            </a:endParaRPr>
+          </a:p>
+        </p:txBody>
+      </p:sp>
+      <p:sp>
+        <p:nvSpPr>
+          <p:cNvPr id="37" name="TextBox 36"/>
+          <p:cNvSpPr txBox="1"/>
+          <p:nvPr/>
+        </p:nvSpPr>
+        <p:spPr>
+          <a:xfrm>
+            <a:off x="4953184" y="2060848"/>
+            <a:ext cx="1218026" cy="369332"/>
+          </a:xfrm>
+          <a:prstGeom prst="rect">
+            <a:avLst/>
+          </a:prstGeom>
+          <a:noFill/>
+        </p:spPr>
+        <p:txBody>
+          <a:bodyPr wrap="none" rtlCol="0">
+            <a:spAutoFit/>
+          </a:bodyPr>
+          <a:lstStyle/>
+          <a:p>
+            <a:r>
+              <a:rPr lang="en-US" altLang="ko-KR" b="1" dirty="0" smtClean="0">
+                <a:solidFill>
+                  <a:schemeClr val="tx2"/>
+                </a:solidFill>
+              </a:rPr>
+              <a:t>test error</a:t>
+            </a:r>
+          </a:p>
+        </p:txBody>
+      </p:sp>
+      <p:sp>
+        <p:nvSpPr>
+          <p:cNvPr id="38" name="TextBox 37"/>
+          <p:cNvSpPr txBox="1"/>
+          <p:nvPr/>
+        </p:nvSpPr>
+        <p:spPr>
+          <a:xfrm>
+            <a:off x="1547664" y="908720"/>
+            <a:ext cx="1101264" cy="369332"/>
+          </a:xfrm>
+          <a:prstGeom prst="rect">
+            <a:avLst/>
+          </a:prstGeom>
+          <a:noFill/>
+        </p:spPr>
+        <p:txBody>
+          <a:bodyPr wrap="none" rtlCol="0">
+            <a:spAutoFit/>
+          </a:bodyPr>
+          <a:lstStyle/>
+          <a:p>
+            <a:r>
+              <a:rPr lang="en-US" altLang="ko-KR" b="1" dirty="0" err="1" smtClean="0">
+                <a:solidFill>
+                  <a:schemeClr val="accent5"/>
+                </a:solidFill>
+              </a:rPr>
+              <a:t>Underfit</a:t>
+            </a:r>
+            <a:endParaRPr lang="en-US" altLang="ko-KR" b="1" dirty="0" smtClean="0">
+              <a:solidFill>
+                <a:schemeClr val="accent5"/>
+              </a:solidFill>
+            </a:endParaRPr>
+          </a:p>
+        </p:txBody>
+      </p:sp>
+      <p:sp>
+        <p:nvSpPr>
+          <p:cNvPr id="39" name="TextBox 38"/>
+          <p:cNvSpPr txBox="1"/>
+          <p:nvPr/>
+        </p:nvSpPr>
+        <p:spPr>
+          <a:xfrm>
+            <a:off x="4377120" y="5147900"/>
+            <a:ext cx="948080" cy="369332"/>
+          </a:xfrm>
+          <a:prstGeom prst="rect">
+            <a:avLst/>
+          </a:prstGeom>
+          <a:noFill/>
+        </p:spPr>
+        <p:txBody>
+          <a:bodyPr wrap="none" rtlCol="0">
+            <a:spAutoFit/>
+          </a:bodyPr>
+          <a:lstStyle/>
+          <a:p>
+            <a:r>
+              <a:rPr lang="en-US" altLang="ko-KR" b="1" dirty="0" err="1" smtClean="0">
+                <a:solidFill>
+                  <a:schemeClr val="accent4"/>
+                </a:solidFill>
+              </a:rPr>
+              <a:t>Overfit</a:t>
+            </a:r>
+            <a:endParaRPr lang="en-US" altLang="ko-KR" b="1" dirty="0" smtClean="0">
+              <a:solidFill>
+                <a:schemeClr val="accent4"/>
+              </a:solidFill>
+            </a:endParaRPr>
+          </a:p>
+        </p:txBody>
+      </p:sp>
+    </p:spTree>
+    <p:extLst>
+      <p:ext uri="{BB962C8B-B14F-4D97-AF65-F5344CB8AC3E}">
+        <p14:creationId xmlns:p14="http://schemas.microsoft.com/office/powerpoint/2010/main" val="2124031911"/>
       </p:ext>
     </p:extLst>
   </p:cSld>
